--- a/doc/resume.pptx
+++ b/doc/resume.pptx
@@ -4850,15 +4850,7 @@
                 <a:ea typeface="微软雅黑" panose="020B0503020204020204" pitchFamily="34" charset="-122"/>
                 <a:hlinkClick r:id="rId4"/>
               </a:rPr>
-              <a:t>https</a:t>
-            </a:r>
-            <a:r>
-              <a:rPr lang="en-US" altLang="zh-CN" sz="900" u="sng" dirty="0" smtClean="0">
-                <a:latin typeface="微软雅黑" panose="020B0503020204020204" pitchFamily="34" charset="-122"/>
-                <a:ea typeface="微软雅黑" panose="020B0503020204020204" pitchFamily="34" charset="-122"/>
-                <a:hlinkClick r:id="rId4"/>
-              </a:rPr>
-              <a:t>://eyric.github.io</a:t>
+              <a:t>https://eyric.github.io</a:t>
             </a:r>
             <a:r>
               <a:rPr lang="en-US" altLang="zh-CN" sz="900" u="sng" dirty="0" smtClean="0">
@@ -4917,6 +4909,7 @@
               <a:rPr lang="en-US" altLang="zh-CN" sz="900" u="sng" dirty="0" smtClean="0">
                 <a:latin typeface="微软雅黑" panose="020B0503020204020204" pitchFamily="34" charset="-122"/>
                 <a:ea typeface="微软雅黑" panose="020B0503020204020204" pitchFamily="34" charset="-122"/>
+                <a:hlinkClick r:id="rId5"/>
               </a:rPr>
               <a:t>https</a:t>
             </a:r>
@@ -4924,6 +4917,7 @@
               <a:rPr lang="en-US" altLang="zh-CN" sz="900" u="sng" dirty="0">
                 <a:latin typeface="微软雅黑" panose="020B0503020204020204" pitchFamily="34" charset="-122"/>
                 <a:ea typeface="微软雅黑" panose="020B0503020204020204" pitchFamily="34" charset="-122"/>
+                <a:hlinkClick r:id="rId5"/>
               </a:rPr>
               <a:t>://</a:t>
             </a:r>
@@ -4931,6 +4925,7 @@
               <a:rPr lang="en-US" altLang="zh-CN" sz="900" u="sng" dirty="0" smtClean="0">
                 <a:latin typeface="微软雅黑" panose="020B0503020204020204" pitchFamily="34" charset="-122"/>
                 <a:ea typeface="微软雅黑" panose="020B0503020204020204" pitchFamily="34" charset="-122"/>
+                <a:hlinkClick r:id="rId5"/>
               </a:rPr>
               <a:t>github.com/eyric </a:t>
             </a:r>
@@ -5686,7 +5681,7 @@
         <p:spPr>
           <a:xfrm>
             <a:off x="2028724" y="9576855"/>
-            <a:ext cx="2380780" cy="215444"/>
+            <a:ext cx="2284600" cy="215444"/>
           </a:xfrm>
           <a:prstGeom prst="rect">
             <a:avLst/>
@@ -5707,30 +5702,30 @@
               <a:t>在线版简历：</a:t>
             </a:r>
             <a:r>
-              <a:rPr lang="en-US" altLang="zh-CN" sz="800" dirty="0">
-                <a:latin typeface="微软雅黑" panose="020B0503020204020204" pitchFamily="34" charset="-122"/>
-                <a:ea typeface="微软雅黑" panose="020B0503020204020204" pitchFamily="34" charset="-122"/>
-                <a:hlinkClick r:id="rId5"/>
+              <a:rPr lang="en-US" altLang="zh-CN" sz="800" u="sng" dirty="0">
+                <a:latin typeface="微软雅黑" panose="020B0503020204020204" pitchFamily="34" charset="-122"/>
+                <a:ea typeface="微软雅黑" panose="020B0503020204020204" pitchFamily="34" charset="-122"/>
+                <a:hlinkClick r:id="rId6"/>
               </a:rPr>
               <a:t>https</a:t>
             </a:r>
             <a:r>
-              <a:rPr lang="en-US" altLang="zh-CN" sz="800" dirty="0" smtClean="0">
-                <a:latin typeface="微软雅黑" panose="020B0503020204020204" pitchFamily="34" charset="-122"/>
-                <a:ea typeface="微软雅黑" panose="020B0503020204020204" pitchFamily="34" charset="-122"/>
-                <a:hlinkClick r:id="rId5"/>
-              </a:rPr>
-              <a:t>://eyric.github.io/resume</a:t>
-            </a:r>
-            <a:r>
-              <a:rPr lang="en-US" altLang="zh-CN" sz="800" dirty="0" smtClean="0">
-                <a:latin typeface="微软雅黑" panose="020B0503020204020204" pitchFamily="34" charset="-122"/>
-                <a:ea typeface="微软雅黑" panose="020B0503020204020204" pitchFamily="34" charset="-122"/>
-                <a:hlinkClick r:id="rId5"/>
-              </a:rPr>
-              <a:t>/</a:t>
-            </a:r>
-            <a:endParaRPr lang="en-US" altLang="zh-CN" sz="800" dirty="0" smtClean="0">
+              <a:rPr lang="en-US" altLang="zh-CN" sz="800" u="sng" dirty="0" smtClean="0">
+                <a:latin typeface="微软雅黑" panose="020B0503020204020204" pitchFamily="34" charset="-122"/>
+                <a:ea typeface="微软雅黑" panose="020B0503020204020204" pitchFamily="34" charset="-122"/>
+                <a:hlinkClick r:id="rId6"/>
+              </a:rPr>
+              <a:t>://</a:t>
+            </a:r>
+            <a:r>
+              <a:rPr lang="en-US" altLang="zh-CN" sz="800" u="sng" dirty="0" smtClean="0">
+                <a:latin typeface="微软雅黑" panose="020B0503020204020204" pitchFamily="34" charset="-122"/>
+                <a:ea typeface="微软雅黑" panose="020B0503020204020204" pitchFamily="34" charset="-122"/>
+                <a:hlinkClick r:id="rId6"/>
+              </a:rPr>
+              <a:t>eyric.github.io/resume</a:t>
+            </a:r>
+            <a:endParaRPr lang="en-US" altLang="zh-CN" sz="800" u="sng" dirty="0" smtClean="0">
               <a:latin typeface="微软雅黑" panose="020B0503020204020204" pitchFamily="34" charset="-122"/>
               <a:ea typeface="微软雅黑" panose="020B0503020204020204" pitchFamily="34" charset="-122"/>
             </a:endParaRPr>
@@ -6089,10 +6084,6 @@
                 </a:rPr>
                 <a:t>)</a:t>
               </a:r>
-              <a:endParaRPr lang="en-US" altLang="zh-CN" sz="900" dirty="0">
-                <a:latin typeface="微软雅黑" panose="020B0503020204020204" pitchFamily="34" charset="-122"/>
-                <a:ea typeface="微软雅黑" panose="020B0503020204020204" pitchFamily="34" charset="-122"/>
-              </a:endParaRPr>
             </a:p>
           </p:txBody>
         </p:sp>

--- a/doc/resume.pptx
+++ b/doc/resume.pptx
@@ -208,7 +208,7 @@
           <a:p>
             <a:fld id="{AEA2C9DF-D23B-4857-8F83-A94459C69053}" type="datetimeFigureOut">
               <a:rPr lang="zh-CN" altLang="en-US" smtClean="0"/>
-              <a:t>2019/3/20</a:t>
+              <a:t>2019/3/29</a:t>
             </a:fld>
             <a:endParaRPr lang="zh-CN" altLang="en-US"/>
           </a:p>
@@ -691,7 +691,7 @@
           <a:p>
             <a:fld id="{6A4926B6-441D-4BA1-AD68-6F10F35F7AC9}" type="datetimeFigureOut">
               <a:rPr lang="zh-CN" altLang="en-US" smtClean="0"/>
-              <a:t>2019/3/20</a:t>
+              <a:t>2019/3/29</a:t>
             </a:fld>
             <a:endParaRPr lang="zh-CN" altLang="en-US"/>
           </a:p>
@@ -861,7 +861,7 @@
           <a:p>
             <a:fld id="{6A4926B6-441D-4BA1-AD68-6F10F35F7AC9}" type="datetimeFigureOut">
               <a:rPr lang="zh-CN" altLang="en-US" smtClean="0"/>
-              <a:t>2019/3/20</a:t>
+              <a:t>2019/3/29</a:t>
             </a:fld>
             <a:endParaRPr lang="zh-CN" altLang="en-US"/>
           </a:p>
@@ -1041,7 +1041,7 @@
           <a:p>
             <a:fld id="{6A4926B6-441D-4BA1-AD68-6F10F35F7AC9}" type="datetimeFigureOut">
               <a:rPr lang="zh-CN" altLang="en-US" smtClean="0"/>
-              <a:t>2019/3/20</a:t>
+              <a:t>2019/3/29</a:t>
             </a:fld>
             <a:endParaRPr lang="zh-CN" altLang="en-US"/>
           </a:p>
@@ -1211,7 +1211,7 @@
           <a:p>
             <a:fld id="{6A4926B6-441D-4BA1-AD68-6F10F35F7AC9}" type="datetimeFigureOut">
               <a:rPr lang="zh-CN" altLang="en-US" smtClean="0"/>
-              <a:t>2019/3/20</a:t>
+              <a:t>2019/3/29</a:t>
             </a:fld>
             <a:endParaRPr lang="zh-CN" altLang="en-US"/>
           </a:p>
@@ -1455,7 +1455,7 @@
           <a:p>
             <a:fld id="{6A4926B6-441D-4BA1-AD68-6F10F35F7AC9}" type="datetimeFigureOut">
               <a:rPr lang="zh-CN" altLang="en-US" smtClean="0"/>
-              <a:t>2019/3/20</a:t>
+              <a:t>2019/3/29</a:t>
             </a:fld>
             <a:endParaRPr lang="zh-CN" altLang="en-US"/>
           </a:p>
@@ -1687,7 +1687,7 @@
           <a:p>
             <a:fld id="{6A4926B6-441D-4BA1-AD68-6F10F35F7AC9}" type="datetimeFigureOut">
               <a:rPr lang="zh-CN" altLang="en-US" smtClean="0"/>
-              <a:t>2019/3/20</a:t>
+              <a:t>2019/3/29</a:t>
             </a:fld>
             <a:endParaRPr lang="zh-CN" altLang="en-US"/>
           </a:p>
@@ -2054,7 +2054,7 @@
           <a:p>
             <a:fld id="{6A4926B6-441D-4BA1-AD68-6F10F35F7AC9}" type="datetimeFigureOut">
               <a:rPr lang="zh-CN" altLang="en-US" smtClean="0"/>
-              <a:t>2019/3/20</a:t>
+              <a:t>2019/3/29</a:t>
             </a:fld>
             <a:endParaRPr lang="zh-CN" altLang="en-US"/>
           </a:p>
@@ -2172,7 +2172,7 @@
           <a:p>
             <a:fld id="{6A4926B6-441D-4BA1-AD68-6F10F35F7AC9}" type="datetimeFigureOut">
               <a:rPr lang="zh-CN" altLang="en-US" smtClean="0"/>
-              <a:t>2019/3/20</a:t>
+              <a:t>2019/3/29</a:t>
             </a:fld>
             <a:endParaRPr lang="zh-CN" altLang="en-US"/>
           </a:p>
@@ -2267,7 +2267,7 @@
           <a:p>
             <a:fld id="{6A4926B6-441D-4BA1-AD68-6F10F35F7AC9}" type="datetimeFigureOut">
               <a:rPr lang="zh-CN" altLang="en-US" smtClean="0"/>
-              <a:t>2019/3/20</a:t>
+              <a:t>2019/3/29</a:t>
             </a:fld>
             <a:endParaRPr lang="zh-CN" altLang="en-US"/>
           </a:p>
@@ -2551,7 +2551,7 @@
           <a:p>
             <a:fld id="{6A4926B6-441D-4BA1-AD68-6F10F35F7AC9}" type="datetimeFigureOut">
               <a:rPr lang="zh-CN" altLang="en-US" smtClean="0"/>
-              <a:t>2019/3/20</a:t>
+              <a:t>2019/3/29</a:t>
             </a:fld>
             <a:endParaRPr lang="zh-CN" altLang="en-US"/>
           </a:p>
@@ -2808,7 +2808,7 @@
           <a:p>
             <a:fld id="{6A4926B6-441D-4BA1-AD68-6F10F35F7AC9}" type="datetimeFigureOut">
               <a:rPr lang="zh-CN" altLang="en-US" smtClean="0"/>
-              <a:t>2019/3/20</a:t>
+              <a:t>2019/3/29</a:t>
             </a:fld>
             <a:endParaRPr lang="zh-CN" altLang="en-US"/>
           </a:p>
@@ -3021,7 +3021,7 @@
           <a:p>
             <a:fld id="{6A4926B6-441D-4BA1-AD68-6F10F35F7AC9}" type="datetimeFigureOut">
               <a:rPr lang="zh-CN" altLang="en-US" smtClean="0"/>
-              <a:t>2019/3/20</a:t>
+              <a:t>2019/3/29</a:t>
             </a:fld>
             <a:endParaRPr lang="zh-CN" altLang="en-US"/>
           </a:p>
@@ -3458,7 +3458,28 @@
                 <a:latin typeface="微软雅黑" panose="020B0503020204020204" pitchFamily="34" charset="-122"/>
                 <a:ea typeface="微软雅黑" panose="020B0503020204020204" pitchFamily="34" charset="-122"/>
               </a:rPr>
-              <a:t>硕士</a:t>
+              <a:t>硕士（</a:t>
+            </a:r>
+            <a:r>
+              <a:rPr lang="zh-CN" altLang="en-US" sz="1050" b="1" dirty="0" smtClean="0">
+                <a:latin typeface="微软雅黑" panose="020B0503020204020204" pitchFamily="34" charset="-122"/>
+                <a:ea typeface="微软雅黑" panose="020B0503020204020204" pitchFamily="34" charset="-122"/>
+              </a:rPr>
+              <a:t>保送 </a:t>
+            </a:r>
+            <a:r>
+              <a:rPr lang="en-US" altLang="zh-CN" sz="1050" b="1" dirty="0" smtClean="0">
+                <a:latin typeface="微软雅黑" panose="020B0503020204020204" pitchFamily="34" charset="-122"/>
+                <a:ea typeface="微软雅黑" panose="020B0503020204020204" pitchFamily="34" charset="-122"/>
+              </a:rPr>
+              <a:t>, Top 1%</a:t>
+            </a:r>
+            <a:r>
+              <a:rPr lang="zh-CN" altLang="en-US" sz="1050" b="1" dirty="0" smtClean="0">
+                <a:latin typeface="微软雅黑" panose="020B0503020204020204" pitchFamily="34" charset="-122"/>
+                <a:ea typeface="微软雅黑" panose="020B0503020204020204" pitchFamily="34" charset="-122"/>
+              </a:rPr>
+              <a:t>）</a:t>
             </a:r>
             <a:endParaRPr lang="en-US" altLang="zh-CN" sz="1050" b="1" dirty="0" smtClean="0">
               <a:latin typeface="微软雅黑" panose="020B0503020204020204" pitchFamily="34" charset="-122"/>
@@ -3560,7 +3581,14 @@
                 <a:latin typeface="微软雅黑" panose="020B0503020204020204" pitchFamily="34" charset="-122"/>
                 <a:ea typeface="微软雅黑" panose="020B0503020204020204" pitchFamily="34" charset="-122"/>
               </a:rPr>
-              <a:t>本科</a:t>
+              <a:t>本科    </a:t>
+            </a:r>
+            <a:r>
+              <a:rPr lang="en-US" altLang="zh-CN" sz="1050" b="1" dirty="0" smtClean="0">
+                <a:latin typeface="微软雅黑" panose="020B0503020204020204" pitchFamily="34" charset="-122"/>
+                <a:ea typeface="微软雅黑" panose="020B0503020204020204" pitchFamily="34" charset="-122"/>
+              </a:rPr>
+              <a:t>(Top 5%)</a:t>
             </a:r>
             <a:endParaRPr lang="en-US" altLang="zh-CN" sz="1050" b="1" dirty="0">
               <a:latin typeface="微软雅黑" panose="020B0503020204020204" pitchFamily="34" charset="-122"/>
@@ -3595,7 +3623,7 @@
         </p:nvSpPr>
         <p:spPr>
           <a:xfrm>
-            <a:off x="221566" y="499237"/>
+            <a:off x="507316" y="499237"/>
             <a:ext cx="954107" cy="400110"/>
           </a:xfrm>
           <a:prstGeom prst="rect">
@@ -3847,8 +3875,36 @@
                 <a:latin typeface="微软雅黑" panose="020B0503020204020204" pitchFamily="34" charset="-122"/>
                 <a:ea typeface="微软雅黑" panose="020B0503020204020204" pitchFamily="34" charset="-122"/>
               </a:rPr>
-              <a:t> 等计算机基础知识</a:t>
-            </a:r>
+              <a:t> 等计算机基础</a:t>
+            </a:r>
+            <a:r>
+              <a:rPr lang="zh-CN" altLang="en-US" sz="900" dirty="0" smtClean="0">
+                <a:latin typeface="微软雅黑" panose="020B0503020204020204" pitchFamily="34" charset="-122"/>
+                <a:ea typeface="微软雅黑" panose="020B0503020204020204" pitchFamily="34" charset="-122"/>
+              </a:rPr>
+              <a:t>知识，熟悉</a:t>
+            </a:r>
+            <a:r>
+              <a:rPr lang="en-US" altLang="zh-CN" sz="900" b="1" dirty="0">
+                <a:solidFill>
+                  <a:srgbClr val="6679DF"/>
+                </a:solidFill>
+                <a:latin typeface="微软雅黑" panose="020B0503020204020204" pitchFamily="34" charset="-122"/>
+                <a:ea typeface="微软雅黑" panose="020B0503020204020204" pitchFamily="34" charset="-122"/>
+              </a:rPr>
+              <a:t>Linux</a:t>
+            </a:r>
+            <a:r>
+              <a:rPr lang="zh-CN" altLang="en-US" sz="900" dirty="0" smtClean="0">
+                <a:latin typeface="微软雅黑" panose="020B0503020204020204" pitchFamily="34" charset="-122"/>
+                <a:ea typeface="微软雅黑" panose="020B0503020204020204" pitchFamily="34" charset="-122"/>
+              </a:rPr>
+              <a:t>操作系统的使用</a:t>
+            </a:r>
+            <a:endParaRPr lang="zh-CN" altLang="en-US" sz="900" dirty="0">
+              <a:latin typeface="微软雅黑" panose="020B0503020204020204" pitchFamily="34" charset="-122"/>
+              <a:ea typeface="微软雅黑" panose="020B0503020204020204" pitchFamily="34" charset="-122"/>
+            </a:endParaRPr>
           </a:p>
           <a:p>
             <a:pPr marL="171450" indent="-171450">
@@ -4641,7 +4697,7 @@
         <p:spPr>
           <a:xfrm>
             <a:off x="3556316" y="8008161"/>
-            <a:ext cx="2997159" cy="456407"/>
+            <a:ext cx="2997159" cy="861774"/>
           </a:xfrm>
           <a:prstGeom prst="rect">
             <a:avLst/>
@@ -4730,7 +4786,68 @@
                 <a:latin typeface="微软雅黑" panose="020B0503020204020204" pitchFamily="34" charset="-122"/>
                 <a:ea typeface="微软雅黑" panose="020B0503020204020204" pitchFamily="34" charset="-122"/>
               </a:rPr>
-              <a:t>论文一篇</a:t>
+              <a:t>论文一</a:t>
+            </a:r>
+            <a:r>
+              <a:rPr lang="zh-CN" altLang="en-US" sz="900" dirty="0" smtClean="0">
+                <a:latin typeface="微软雅黑" panose="020B0503020204020204" pitchFamily="34" charset="-122"/>
+                <a:ea typeface="微软雅黑" panose="020B0503020204020204" pitchFamily="34" charset="-122"/>
+              </a:rPr>
+              <a:t>篇</a:t>
+            </a:r>
+            <a:endParaRPr lang="en-US" altLang="zh-CN" sz="900" dirty="0" smtClean="0">
+              <a:latin typeface="微软雅黑" panose="020B0503020204020204" pitchFamily="34" charset="-122"/>
+              <a:ea typeface="微软雅黑" panose="020B0503020204020204" pitchFamily="34" charset="-122"/>
+            </a:endParaRPr>
+          </a:p>
+          <a:p>
+            <a:pPr marL="171450" indent="-171450">
+              <a:lnSpc>
+                <a:spcPts val="1500"/>
+              </a:lnSpc>
+              <a:buFont typeface="Wingdings" panose="05000000000000000000" pitchFamily="2" charset="2"/>
+              <a:buChar char="ü"/>
+            </a:pPr>
+            <a:r>
+              <a:rPr lang="zh-CN" altLang="en-US" sz="900" dirty="0" smtClean="0">
+                <a:latin typeface="微软雅黑" panose="020B0503020204020204" pitchFamily="34" charset="-122"/>
+                <a:ea typeface="微软雅黑" panose="020B0503020204020204" pitchFamily="34" charset="-122"/>
+              </a:rPr>
+              <a:t>参与项目获得软件著作权</a:t>
+            </a:r>
+            <a:r>
+              <a:rPr lang="en-US" altLang="zh-CN" sz="900" dirty="0" smtClean="0">
+                <a:latin typeface="微软雅黑" panose="020B0503020204020204" pitchFamily="34" charset="-122"/>
+                <a:ea typeface="微软雅黑" panose="020B0503020204020204" pitchFamily="34" charset="-122"/>
+              </a:rPr>
+              <a:t>7</a:t>
+            </a:r>
+            <a:r>
+              <a:rPr lang="zh-CN" altLang="en-US" sz="900" dirty="0" smtClean="0">
+                <a:latin typeface="微软雅黑" panose="020B0503020204020204" pitchFamily="34" charset="-122"/>
+                <a:ea typeface="微软雅黑" panose="020B0503020204020204" pitchFamily="34" charset="-122"/>
+              </a:rPr>
+              <a:t>项</a:t>
+            </a:r>
+            <a:endParaRPr lang="en-US" altLang="zh-CN" sz="900" dirty="0" smtClean="0">
+              <a:latin typeface="微软雅黑" panose="020B0503020204020204" pitchFamily="34" charset="-122"/>
+              <a:ea typeface="微软雅黑" panose="020B0503020204020204" pitchFamily="34" charset="-122"/>
+            </a:endParaRPr>
+          </a:p>
+          <a:p>
+            <a:pPr marL="171450" indent="-171450">
+              <a:lnSpc>
+                <a:spcPts val="1500"/>
+              </a:lnSpc>
+              <a:buFont typeface="Wingdings" panose="05000000000000000000" pitchFamily="2" charset="2"/>
+              <a:buChar char="ü"/>
+            </a:pPr>
+            <a:r>
+              <a:rPr lang="zh-CN" altLang="en-US" sz="900" dirty="0" smtClean="0">
+                <a:latin typeface="微软雅黑" panose="020B0503020204020204" pitchFamily="34" charset="-122"/>
+                <a:ea typeface="微软雅黑" panose="020B0503020204020204" pitchFamily="34" charset="-122"/>
+              </a:rPr>
+              <a:t>参与编写十三五规划教材一部</a:t>
             </a:r>
             <a:endParaRPr lang="en-US" altLang="zh-CN" sz="900" dirty="0">
               <a:latin typeface="微软雅黑" panose="020B0503020204020204" pitchFamily="34" charset="-122"/>
@@ -4747,8 +4864,8 @@
         </p:nvSpPr>
         <p:spPr>
           <a:xfrm>
-            <a:off x="3551236" y="264670"/>
-            <a:ext cx="3027639" cy="913070"/>
+            <a:off x="2335353" y="427013"/>
+            <a:ext cx="2157068" cy="913070"/>
           </a:xfrm>
           <a:prstGeom prst="rect">
             <a:avLst/>
@@ -5715,15 +5832,7 @@
                 <a:ea typeface="微软雅黑" panose="020B0503020204020204" pitchFamily="34" charset="-122"/>
                 <a:hlinkClick r:id="rId6"/>
               </a:rPr>
-              <a:t>://</a:t>
-            </a:r>
-            <a:r>
-              <a:rPr lang="en-US" altLang="zh-CN" sz="800" u="sng" dirty="0" smtClean="0">
-                <a:latin typeface="微软雅黑" panose="020B0503020204020204" pitchFamily="34" charset="-122"/>
-                <a:ea typeface="微软雅黑" panose="020B0503020204020204" pitchFamily="34" charset="-122"/>
-                <a:hlinkClick r:id="rId6"/>
-              </a:rPr>
-              <a:t>eyric.github.io/resume</a:t>
+              <a:t>://eyric.github.io/resume</a:t>
             </a:r>
             <a:endParaRPr lang="en-US" altLang="zh-CN" sz="800" u="sng" dirty="0" smtClean="0">
               <a:latin typeface="微软雅黑" panose="020B0503020204020204" pitchFamily="34" charset="-122"/>
@@ -5740,8 +5849,8 @@
         </p:nvSpPr>
         <p:spPr>
           <a:xfrm>
-            <a:off x="172463" y="829114"/>
-            <a:ext cx="1056701" cy="230832"/>
+            <a:off x="172779" y="925705"/>
+            <a:ext cx="1664238" cy="230832"/>
           </a:xfrm>
           <a:prstGeom prst="rect">
             <a:avLst/>
@@ -5755,26 +5864,16 @@
           <a:p>
             <a:pPr lvl="0" algn="ctr"/>
             <a:r>
-              <a:rPr lang="en-US" altLang="zh-CN" sz="900" dirty="0" smtClean="0">
+              <a:rPr lang="en-US" altLang="zh-CN" sz="900" b="1" dirty="0" smtClean="0">
                 <a:solidFill>
                   <a:prstClr val="black"/>
                 </a:solidFill>
                 <a:latin typeface="微软雅黑" panose="020B0503020204020204" pitchFamily="34" charset="-122"/>
                 <a:ea typeface="微软雅黑" panose="020B0503020204020204" pitchFamily="34" charset="-122"/>
               </a:rPr>
-              <a:t>JAVA</a:t>
-            </a:r>
-            <a:r>
-              <a:rPr lang="zh-CN" altLang="en-US" sz="900" dirty="0" smtClean="0">
-                <a:solidFill>
-                  <a:prstClr val="black"/>
-                </a:solidFill>
-                <a:latin typeface="微软雅黑" panose="020B0503020204020204" pitchFamily="34" charset="-122"/>
-                <a:ea typeface="微软雅黑" panose="020B0503020204020204" pitchFamily="34" charset="-122"/>
-              </a:rPr>
-              <a:t>开发实习生</a:t>
-            </a:r>
-            <a:endParaRPr lang="en-US" altLang="zh-CN" sz="900" dirty="0">
+              <a:t>Research &amp; Development</a:t>
+            </a:r>
+            <a:endParaRPr lang="en-US" altLang="zh-CN" sz="900" b="1" dirty="0">
               <a:solidFill>
                 <a:prstClr val="black"/>
               </a:solidFill>
@@ -5793,9 +5892,9 @@
         <p:grpSpPr>
           <a:xfrm>
             <a:off x="386128" y="3628536"/>
-            <a:ext cx="2867930" cy="1599196"/>
+            <a:ext cx="2867930" cy="1619842"/>
             <a:chOff x="416608" y="3709272"/>
-            <a:chExt cx="2867930" cy="1599196"/>
+            <a:chExt cx="2867930" cy="1619842"/>
           </a:xfrm>
         </p:grpSpPr>
         <p:sp>
@@ -5975,7 +6074,7 @@
           <p:spPr>
             <a:xfrm>
               <a:off x="416609" y="4467340"/>
-              <a:ext cx="2867929" cy="841128"/>
+              <a:ext cx="2867929" cy="861774"/>
             </a:xfrm>
             <a:prstGeom prst="rect">
               <a:avLst/>
@@ -6050,40 +6149,30 @@
                 <a:t>云图模块开发</a:t>
               </a:r>
               <a:r>
-                <a:rPr lang="en-US" altLang="zh-CN" sz="900" dirty="0">
+                <a:rPr lang="en-US" altLang="zh-CN" sz="900" dirty="0" smtClean="0">
                   <a:latin typeface="微软雅黑" panose="020B0503020204020204" pitchFamily="34" charset="-122"/>
                   <a:ea typeface="微软雅黑" panose="020B0503020204020204" pitchFamily="34" charset="-122"/>
                 </a:rPr>
                 <a:t>(</a:t>
               </a:r>
               <a:r>
-                <a:rPr lang="zh-CN" altLang="en-US" sz="900" dirty="0">
+                <a:rPr lang="zh-CN" altLang="en-US" sz="900" dirty="0" smtClean="0">
                   <a:latin typeface="微软雅黑" panose="020B0503020204020204" pitchFamily="34" charset="-122"/>
                   <a:ea typeface="微软雅黑" panose="020B0503020204020204" pitchFamily="34" charset="-122"/>
                 </a:rPr>
-                <a:t>插值算法、</a:t>
+                <a:t>已封装成插件并开源</a:t>
               </a:r>
               <a:r>
-                <a:rPr lang="en-US" altLang="zh-CN" sz="900" dirty="0">
-                  <a:latin typeface="微软雅黑" panose="020B0503020204020204" pitchFamily="34" charset="-122"/>
-                  <a:ea typeface="微软雅黑" panose="020B0503020204020204" pitchFamily="34" charset="-122"/>
-                </a:rPr>
-                <a:t>JAVA</a:t>
-              </a:r>
-              <a:r>
-                <a:rPr lang="zh-CN" altLang="en-US" sz="900" dirty="0">
-                  <a:latin typeface="微软雅黑" panose="020B0503020204020204" pitchFamily="34" charset="-122"/>
-                  <a:ea typeface="微软雅黑" panose="020B0503020204020204" pitchFamily="34" charset="-122"/>
-                </a:rPr>
-                <a:t>绘图</a:t>
-              </a:r>
-              <a:r>
-                <a:rPr lang="en-US" altLang="zh-CN" sz="900" dirty="0">
+                <a:rPr lang="en-US" altLang="zh-CN" sz="900" dirty="0" smtClean="0">
                   <a:latin typeface="微软雅黑" panose="020B0503020204020204" pitchFamily="34" charset="-122"/>
                   <a:ea typeface="微软雅黑" panose="020B0503020204020204" pitchFamily="34" charset="-122"/>
                 </a:rPr>
                 <a:t>)</a:t>
               </a:r>
+              <a:endParaRPr lang="en-US" altLang="zh-CN" sz="900" dirty="0">
+                <a:latin typeface="微软雅黑" panose="020B0503020204020204" pitchFamily="34" charset="-122"/>
+                <a:ea typeface="微软雅黑" panose="020B0503020204020204" pitchFamily="34" charset="-122"/>
+              </a:endParaRPr>
             </a:p>
           </p:txBody>
         </p:sp>
@@ -7841,6 +7930,77 @@
           </a:p>
         </p:txBody>
       </p:sp>
+      <p:sp>
+        <p:nvSpPr>
+          <p:cNvPr id="95" name="矩形 94"/>
+          <p:cNvSpPr/>
+          <p:nvPr/>
+        </p:nvSpPr>
+        <p:spPr>
+          <a:xfrm>
+            <a:off x="4414487" y="455557"/>
+            <a:ext cx="2157068" cy="273665"/>
+          </a:xfrm>
+          <a:prstGeom prst="rect">
+            <a:avLst/>
+          </a:prstGeom>
+        </p:spPr>
+        <p:txBody>
+          <a:bodyPr wrap="square">
+            <a:spAutoFit/>
+          </a:bodyPr>
+          <a:lstStyle/>
+          <a:p>
+            <a:pPr lvl="0">
+              <a:lnSpc>
+                <a:spcPts val="1600"/>
+              </a:lnSpc>
+            </a:pPr>
+            <a:r>
+              <a:rPr lang="en-US" altLang="zh-CN" sz="900" u="sng" dirty="0" smtClean="0">
+                <a:latin typeface="微软雅黑" panose="020B0503020204020204" pitchFamily="34" charset="-122"/>
+                <a:ea typeface="微软雅黑" panose="020B0503020204020204" pitchFamily="34" charset="-122"/>
+                <a:hlinkClick r:id="rId5"/>
+              </a:rPr>
+              <a:t> </a:t>
+            </a:r>
+            <a:endParaRPr lang="en-US" altLang="zh-CN" sz="900" u="sng" dirty="0">
+              <a:latin typeface="微软雅黑" panose="020B0503020204020204" pitchFamily="34" charset="-122"/>
+              <a:ea typeface="微软雅黑" panose="020B0503020204020204" pitchFamily="34" charset="-122"/>
+            </a:endParaRPr>
+          </a:p>
+        </p:txBody>
+      </p:sp>
+      <p:pic>
+        <p:nvPicPr>
+          <p:cNvPr id="2" name="图片 1"/>
+          <p:cNvPicPr>
+            <a:picLocks noChangeAspect="1"/>
+          </p:cNvPicPr>
+          <p:nvPr/>
+        </p:nvPicPr>
+        <p:blipFill>
+          <a:blip r:embed="rId7">
+            <a:extLst>
+              <a:ext uri="{28A0092B-C50C-407E-A947-70E740481C1C}">
+                <a14:useLocalDpi xmlns:a14="http://schemas.microsoft.com/office/drawing/2010/main" val="0"/>
+              </a:ext>
+            </a:extLst>
+          </a:blip>
+          <a:stretch>
+            <a:fillRect/>
+          </a:stretch>
+        </p:blipFill>
+        <p:spPr>
+          <a:xfrm>
+            <a:off x="5366351" y="370856"/>
+            <a:ext cx="888764" cy="1124559"/>
+          </a:xfrm>
+          <a:prstGeom prst="rect">
+            <a:avLst/>
+          </a:prstGeom>
+        </p:spPr>
+      </p:pic>
     </p:spTree>
     <p:extLst>
       <p:ext uri="{BB962C8B-B14F-4D97-AF65-F5344CB8AC3E}">
